--- a/PptxReplacer/result/20240117_setneg_biweekly.pptx
+++ b/PptxReplacer/result/20240117_setneg_biweekly.pptx
@@ -1341,7 +1341,7 @@
           <a:p>
             <a:fld id="{91B4ED4A-874E-45AC-AF5D-DC47AF202211}" type="datetimeFigureOut">
               <a:rPr lang="en-ID" smtClean="0"/>
-              <a:t>22/03/2024</a:t>
+              <a:t>31/03/2024</a:t>
             </a:fld>
             <a:endParaRPr lang="en-ID"/>
           </a:p>
@@ -1753,7 +1753,7 @@
           <a:p>
             <a:fld id="{235D2F57-9AF7-42DC-A542-7B792E2F3FE0}" type="datetimeFigureOut">
               <a:rPr lang="id-ID" smtClean="0"/>
-              <a:t>22/03/2024</a:t>
+              <a:t>31/03/2024</a:t>
             </a:fld>
             <a:endParaRPr lang="id-ID"/>
           </a:p>
@@ -1953,7 +1953,7 @@
           <a:p>
             <a:fld id="{235D2F57-9AF7-42DC-A542-7B792E2F3FE0}" type="datetimeFigureOut">
               <a:rPr lang="id-ID" smtClean="0"/>
-              <a:t>22/03/2024</a:t>
+              <a:t>31/03/2024</a:t>
             </a:fld>
             <a:endParaRPr lang="id-ID"/>
           </a:p>
@@ -2163,7 +2163,7 @@
           <a:p>
             <a:fld id="{235D2F57-9AF7-42DC-A542-7B792E2F3FE0}" type="datetimeFigureOut">
               <a:rPr lang="id-ID" smtClean="0"/>
-              <a:t>22/03/2024</a:t>
+              <a:t>31/03/2024</a:t>
             </a:fld>
             <a:endParaRPr lang="id-ID"/>
           </a:p>
@@ -2363,7 +2363,7 @@
           <a:p>
             <a:fld id="{235D2F57-9AF7-42DC-A542-7B792E2F3FE0}" type="datetimeFigureOut">
               <a:rPr lang="id-ID" smtClean="0"/>
-              <a:t>22/03/2024</a:t>
+              <a:t>31/03/2024</a:t>
             </a:fld>
             <a:endParaRPr lang="id-ID"/>
           </a:p>
@@ -2639,7 +2639,7 @@
           <a:p>
             <a:fld id="{235D2F57-9AF7-42DC-A542-7B792E2F3FE0}" type="datetimeFigureOut">
               <a:rPr lang="id-ID" smtClean="0"/>
-              <a:t>22/03/2024</a:t>
+              <a:t>31/03/2024</a:t>
             </a:fld>
             <a:endParaRPr lang="id-ID"/>
           </a:p>
@@ -2907,7 +2907,7 @@
           <a:p>
             <a:fld id="{235D2F57-9AF7-42DC-A542-7B792E2F3FE0}" type="datetimeFigureOut">
               <a:rPr lang="id-ID" smtClean="0"/>
-              <a:t>22/03/2024</a:t>
+              <a:t>31/03/2024</a:t>
             </a:fld>
             <a:endParaRPr lang="id-ID"/>
           </a:p>
@@ -3322,7 +3322,7 @@
           <a:p>
             <a:fld id="{235D2F57-9AF7-42DC-A542-7B792E2F3FE0}" type="datetimeFigureOut">
               <a:rPr lang="id-ID" smtClean="0"/>
-              <a:t>22/03/2024</a:t>
+              <a:t>31/03/2024</a:t>
             </a:fld>
             <a:endParaRPr lang="id-ID"/>
           </a:p>
@@ -3464,7 +3464,7 @@
           <a:p>
             <a:fld id="{235D2F57-9AF7-42DC-A542-7B792E2F3FE0}" type="datetimeFigureOut">
               <a:rPr lang="id-ID" smtClean="0"/>
-              <a:t>22/03/2024</a:t>
+              <a:t>31/03/2024</a:t>
             </a:fld>
             <a:endParaRPr lang="id-ID"/>
           </a:p>
@@ -3577,7 +3577,7 @@
           <a:p>
             <a:fld id="{235D2F57-9AF7-42DC-A542-7B792E2F3FE0}" type="datetimeFigureOut">
               <a:rPr lang="id-ID" smtClean="0"/>
-              <a:t>22/03/2024</a:t>
+              <a:t>31/03/2024</a:t>
             </a:fld>
             <a:endParaRPr lang="id-ID"/>
           </a:p>
@@ -3890,7 +3890,7 @@
           <a:p>
             <a:fld id="{235D2F57-9AF7-42DC-A542-7B792E2F3FE0}" type="datetimeFigureOut">
               <a:rPr lang="id-ID" smtClean="0"/>
-              <a:t>22/03/2024</a:t>
+              <a:t>31/03/2024</a:t>
             </a:fld>
             <a:endParaRPr lang="id-ID"/>
           </a:p>
@@ -4179,7 +4179,7 @@
           <a:p>
             <a:fld id="{235D2F57-9AF7-42DC-A542-7B792E2F3FE0}" type="datetimeFigureOut">
               <a:rPr lang="id-ID" smtClean="0"/>
-              <a:t>22/03/2024</a:t>
+              <a:t>31/03/2024</a:t>
             </a:fld>
             <a:endParaRPr lang="id-ID"/>
           </a:p>
@@ -4422,7 +4422,7 @@
           <a:p>
             <a:fld id="{235D2F57-9AF7-42DC-A542-7B792E2F3FE0}" type="datetimeFigureOut">
               <a:rPr lang="id-ID" smtClean="0"/>
-              <a:t>22/03/2024</a:t>
+              <a:t>31/03/2024</a:t>
             </a:fld>
             <a:endParaRPr lang="id-ID"/>
           </a:p>
@@ -6218,7 +6218,20 @@
                 <a:ea typeface="Verdana" panose="020B0604030504040204" pitchFamily="34" charset="0"/>
                 <a:cs typeface="Open Sans" panose="020B0606030504020204" pitchFamily="34" charset="0"/>
               </a:rPr>
-              <a:t>Terkait IKN di Media Sosial Selama 2023</a:t>
+              <a:t>Terkait IKN di Media Sosial Selama 202</a:t>
+            </a:r>
+            <a:r>
+              <a:rPr lang="en-US" sz="1200">
+                <a:solidFill>
+                  <a:schemeClr val="bg2">
+                    <a:lumMod val="50000"/>
+                  </a:schemeClr>
+                </a:solidFill>
+                <a:latin typeface="Verdana" panose="020B0604030504040204" pitchFamily="34" charset="0"/>
+                <a:ea typeface="Verdana" panose="020B0604030504040204" pitchFamily="34" charset="0"/>
+                <a:cs typeface="Open Sans" panose="020B0606030504020204" pitchFamily="34" charset="0"/>
+              </a:rPr>
+              <a:t>4</a:t>
             </a:r>
             <a:endParaRPr lang="id-ID" sz="4400" dirty="0">
               <a:solidFill>
@@ -8299,7 +8312,7 @@
                 <a:cs typeface="Calibri" panose="020F0502020204030204" charset="0"/>
                 <a:sym typeface="+mn-ea"/>
               </a:rPr>
-              <a:t>Kelompok ini membahas potensi pem</a:t>
+              <a:t>Kelompok ini membahas proyek Infr</a:t>
             </a:r>
             <a:r>
               <a:rPr lang="id-ID" altLang="en-US" sz="1100" b="1" kern="1200" dirty="0">
@@ -8310,7 +8323,7 @@
                 <a:cs typeface="Calibri" panose="020F0502020204030204" charset="0"/>
                 <a:sym typeface="+mn-ea"/>
               </a:rPr>
-              <a:t>bangunan Sumber Daya Manusia (SDM) sebagai prioritas Ganjar Pranowo-Prof Mahfud dalam IKN.</a:t>
+              <a:t>astruktur Kota (IKN) yang sedang dikerjakan oleh Kementerian PUPR, dengan kemajuan proyek mencapai 70%.</a:t>
             </a:r>
             <a:endParaRPr lang="id-ID" altLang="en-US" sz="1100" kern="1200" dirty="0">
               <a:solidFill>
@@ -8355,7 +8368,7 @@
                 <a:cs typeface="Calibri" panose="020F0502020204030204" charset="0"/>
                 <a:sym typeface="+mn-ea"/>
               </a:rPr>
-              <a:t>Mereka menyoroti pen</a:t>
+              <a:t>Kelompok ini menyoro</a:t>
             </a:r>
             <a:r>
               <a:rPr kumimoji="0" lang="id-ID" altLang="en-US" sz="1100" b="1" i="0" u="none" strike="noStrike" kern="1200" cap="none" spc="0" normalizeH="0" baseline="0" noProof="0" dirty="0">
@@ -8373,7 +8386,7 @@
                 <a:cs typeface="Calibri" panose="020F0502020204030204" charset="0"/>
                 <a:sym typeface="+mn-ea"/>
               </a:rPr>
-              <a:t>tingnya melanjutkan Indonesia Sentris dalam IKN sebag</a:t>
+              <a:t>ti pentingnya simbol-simbol tertentu bagi para pengua</a:t>
             </a:r>
             <a:r>
               <a:rPr kumimoji="0" lang="id-ID" altLang="en-US" sz="1100" i="0" u="none" strike="noStrike" kern="1200" cap="none" spc="0" normalizeH="0" baseline="0" noProof="0" dirty="0">
@@ -8391,7 +8404,7 @@
                 <a:cs typeface="Calibri" panose="020F0502020204030204" charset="0"/>
                 <a:sym typeface="+mn-ea"/>
               </a:rPr>
-              <a:t>ai langkah maju untuk kemajuan di s</a:t>
+              <a:t>sa dan kroni mereka untuk kembali k</a:t>
             </a:r>
             <a:r>
               <a:rPr kumimoji="0" lang="id-ID" altLang="en-US" sz="1100" i="0" u="none" strike="noStrike" kern="1200" cap="none" spc="0" normalizeH="0" baseline="0" noProof="0" dirty="0" err="1">
@@ -8409,7 +8422,7 @@
                 <a:cs typeface="Calibri" panose="020F0502020204030204" charset="0"/>
                 <a:sym typeface="+mn-ea"/>
               </a:rPr>
-              <a:t>eluru</a:t>
+              <a:t>e jal</a:t>
             </a:r>
             <a:r>
               <a:rPr kumimoji="0" lang="id-ID" altLang="en-US" sz="1100" i="0" u="none" strike="noStrike" kern="1200" cap="none" spc="0" normalizeH="0" baseline="0" noProof="0" dirty="0">
@@ -8427,7 +8440,7 @@
                 <a:cs typeface="Calibri" panose="020F0502020204030204" charset="0"/>
                 <a:sym typeface="+mn-ea"/>
               </a:rPr>
-              <a:t>h Nusantara.</a:t>
+              <a:t>an yang benar.</a:t>
             </a:r>
           </a:p>
           <a:p>
@@ -8468,7 +8481,7 @@
                 <a:cs typeface="Calibri" panose="020F0502020204030204" charset="0"/>
                 <a:sym typeface="+mn-ea"/>
               </a:rPr>
-              <a:t>ini menekankan komitmen G</a:t>
+              <a:t>ini membahas lokasi-lokas</a:t>
             </a:r>
             <a:r>
               <a:rPr lang="id-ID" altLang="en-US" sz="1100" kern="1200" dirty="0">
@@ -8479,7 +8492,7 @@
                 <a:cs typeface="Calibri" panose="020F0502020204030204" charset="0"/>
                 <a:sym typeface="+mn-ea"/>
               </a:rPr>
-              <a:t>anjar-Mahfud dalam memb</a:t>
+              <a:t>i perguruan tinggi yang</a:t>
             </a:r>
             <a:r>
               <a:rPr lang="id-ID" altLang="en-US" sz="1100" b="1" kern="1200" dirty="0">
@@ -8490,7 +8503,7 @@
                 <a:cs typeface="Calibri" panose="020F0502020204030204" charset="0"/>
                 <a:sym typeface="+mn-ea"/>
               </a:rPr>
-              <a:t>erikan solusi nyata untuk setiap tantang</a:t>
+              <a:t> relevan dengan sejarah ibukota negara, </a:t>
             </a:r>
             <a:r>
               <a:rPr lang="id-ID" altLang="en-US" sz="1100" kern="1200" dirty="0">
@@ -8501,7 +8514,7 @@
                 <a:cs typeface="Calibri" panose="020F0502020204030204" charset="0"/>
                 <a:sym typeface="+mn-ea"/>
               </a:rPr>
-              <a:t>an pembangunan IKN.</a:t>
+              <a:t>termasuk UGM, UII, UI, UNHAS, UNAD, dan UNPAD.</a:t>
             </a:r>
           </a:p>
           <a:p>
@@ -8538,7 +8551,7 @@
                 <a:cs typeface="Calibri" panose="020F0502020204030204" charset="0"/>
                 <a:sym typeface="+mn-ea"/>
               </a:rPr>
-              <a:t>Mereka percay</a:t>
+              <a:t>Tidak ada nil</a:t>
             </a:r>
             <a:r>
               <a:rPr kumimoji="0" lang="id-ID" altLang="en-US" sz="1100" b="1" i="0" u="none" strike="noStrike" kern="1200" cap="none" spc="0" normalizeH="0" baseline="0" noProof="0" dirty="0">
@@ -8556,7 +8569,7 @@
                 <a:cs typeface="Calibri" panose="020F0502020204030204" charset="0"/>
                 <a:sym typeface="+mn-ea"/>
               </a:rPr>
-              <a:t>a bahwa Ganjar Pranowo adalah pemimpin yang memahami urgensi pembangunan Indonesia.</a:t>
+              <a:t>ai keterlibatan yang signifikan dalam postingan ini.</a:t>
             </a:r>
             <a:endParaRPr kumimoji="0" lang="id-ID" altLang="en-US" sz="1100" i="0" u="none" strike="noStrike" kern="1200" cap="none" spc="0" normalizeH="0" baseline="0" noProof="0" dirty="0">
               <a:ln>
@@ -8601,7 +8614,7 @@
                 <a:cs typeface="Calibri" panose="020F0502020204030204" charset="0"/>
                 <a:sym typeface="+mn-ea"/>
               </a:rPr>
-              <a:t>Kelompok ini menyebutkan </a:t>
+              <a:t/>
             </a:r>
             <a:r>
               <a:rPr lang="id-ID" altLang="en-US" sz="1100" b="1" kern="1200" dirty="0">
@@ -8612,7 +8625,7 @@
                 <a:cs typeface="Calibri" panose="020F0502020204030204" charset="0"/>
                 <a:sym typeface="+mn-ea"/>
               </a:rPr>
-              <a:t>bahwa Ganjar-Mahfud diharapkan menciptakan keb</a:t>
+              <a:t/>
             </a:r>
             <a:r>
               <a:rPr lang="id-ID" altLang="en-US" sz="1100" kern="1200" dirty="0">
@@ -8623,7 +8636,7 @@
                 <a:cs typeface="Calibri" panose="020F0502020204030204" charset="0"/>
                 <a:sym typeface="+mn-ea"/>
               </a:rPr>
-              <a:t>ijakan yang seimbang dan berkelanjutan di tingkat nasional.</a:t>
+              <a:t/>
             </a:r>
             <a:endParaRPr kumimoji="0" lang="id-ID" altLang="en-US" sz="1100" i="0" u="none" strike="noStrike" kern="1200" cap="none" spc="0" normalizeH="0" baseline="0" noProof="0" dirty="0">
               <a:ln>
@@ -9010,382 +9023,6 @@
       </p:graphicFrame>
       <p:sp>
         <p:nvSpPr>
-          <p:cNvPr id="30" name="TextBox 29">
-            <a:extLst>
-              <a:ext uri="{FF2B5EF4-FFF2-40B4-BE49-F238E27FC236}">
-                <a16:creationId xmlns:a16="http://schemas.microsoft.com/office/drawing/2014/main" id="{5BAA2C03-AA9C-E393-8E25-A0208EEEE8FF}"/>
-              </a:ext>
-            </a:extLst>
-          </p:cNvPr>
-          <p:cNvSpPr txBox="1"/>
-          <p:nvPr/>
-        </p:nvSpPr>
-        <p:spPr>
-          <a:xfrm>
-            <a:off x="3924628" y="1988840"/>
-            <a:ext cx="1224136" cy="285335"/>
-          </a:xfrm>
-          <a:prstGeom prst="rect">
-            <a:avLst/>
-          </a:prstGeom>
-          <a:solidFill>
-            <a:srgbClr val="C00000"/>
-          </a:solidFill>
-          <a:effectLst>
-            <a:outerShdw blurRad="50800" dist="38100" dir="2700000" algn="tl" rotWithShape="0">
-              <a:prstClr val="black">
-                <a:alpha val="40000"/>
-              </a:prstClr>
-            </a:outerShdw>
-          </a:effectLst>
-        </p:spPr>
-        <p:txBody>
-          <a:bodyPr wrap="square">
-            <a:spAutoFit/>
-          </a:bodyPr>
-          <a:lstStyle/>
-          <a:p>
-            <a:pPr marL="0" marR="0" lvl="0" indent="0" algn="ctr" defTabSz="914400" rtl="0" eaLnBrk="1" fontAlgn="auto" latinLnBrk="0" hangingPunct="1">
-              <a:lnSpc>
-                <a:spcPct val="110000"/>
-              </a:lnSpc>
-              <a:spcBef>
-                <a:spcPts val="0"/>
-              </a:spcBef>
-              <a:spcAft>
-                <a:spcPts val="600"/>
-              </a:spcAft>
-              <a:buClrTx/>
-              <a:buSzTx/>
-              <a:buFontTx/>
-              <a:buNone/>
-              <a:tabLst/>
-              <a:defRPr/>
-            </a:pPr>
-            <a:r>
-              <a:rPr kumimoji="0" lang="id-ID" sz="1200" b="1" i="0" u="none" strike="noStrike" kern="1200" cap="none" spc="0" normalizeH="0" baseline="0" noProof="0" dirty="0">
-                <a:ln>
-                  <a:noFill/>
-                </a:ln>
-                <a:solidFill>
-                  <a:schemeClr val="bg1"/>
-                </a:solidFill>
-                <a:effectLst/>
-                <a:uLnTx/>
-                <a:uFillTx/>
-                <a:latin typeface="Calibri" panose="020F0502020204030204"/>
-                <a:ea typeface="+mn-ea"/>
-                <a:cs typeface="+mn-cs"/>
-              </a:rPr>
-              <a:t>Kontra (57.9%)</a:t>
-            </a:r>
-            <a:endParaRPr lang="id-ID" altLang="en-US" sz="1100" dirty="0">
-              <a:solidFill>
-                <a:schemeClr val="bg1"/>
-              </a:solidFill>
-              <a:cs typeface="Calibri" panose="020F0502020204030204" charset="0"/>
-              <a:sym typeface="+mn-ea"/>
-            </a:endParaRPr>
-          </a:p>
-        </p:txBody>
-      </p:sp>
-      <p:sp>
-        <p:nvSpPr>
-          <p:cNvPr id="31" name="TextBox 30">
-            <a:extLst>
-              <a:ext uri="{FF2B5EF4-FFF2-40B4-BE49-F238E27FC236}">
-                <a16:creationId xmlns:a16="http://schemas.microsoft.com/office/drawing/2014/main" id="{4415DA08-9F9F-88D5-4B74-E1B1F2BFC8C9}"/>
-              </a:ext>
-            </a:extLst>
-          </p:cNvPr>
-          <p:cNvSpPr txBox="1"/>
-          <p:nvPr/>
-        </p:nvSpPr>
-        <p:spPr>
-          <a:xfrm>
-            <a:off x="7370932" y="4365104"/>
-            <a:ext cx="1029324" cy="285335"/>
-          </a:xfrm>
-          <a:prstGeom prst="rect">
-            <a:avLst/>
-          </a:prstGeom>
-          <a:solidFill>
-            <a:srgbClr val="9999DD"/>
-          </a:solidFill>
-          <a:effectLst>
-            <a:outerShdw blurRad="50800" dist="38100" dir="2700000" algn="tl" rotWithShape="0">
-              <a:prstClr val="black">
-                <a:alpha val="40000"/>
-              </a:prstClr>
-            </a:outerShdw>
-          </a:effectLst>
-        </p:spPr>
-        <p:txBody>
-          <a:bodyPr wrap="square">
-            <a:spAutoFit/>
-          </a:bodyPr>
-          <a:lstStyle/>
-          <a:p>
-            <a:pPr marL="0" marR="0" lvl="0" indent="0" algn="ctr" defTabSz="914400" rtl="0" eaLnBrk="1" fontAlgn="auto" latinLnBrk="0" hangingPunct="1">
-              <a:lnSpc>
-                <a:spcPct val="110000"/>
-              </a:lnSpc>
-              <a:spcBef>
-                <a:spcPts val="0"/>
-              </a:spcBef>
-              <a:spcAft>
-                <a:spcPts val="600"/>
-              </a:spcAft>
-              <a:buClrTx/>
-              <a:buSzTx/>
-              <a:buFontTx/>
-              <a:buNone/>
-              <a:tabLst/>
-              <a:defRPr/>
-            </a:pPr>
-            <a:r>
-              <a:rPr kumimoji="0" lang="id-ID" sz="1200" b="1" i="0" u="none" strike="noStrike" kern="1200" cap="none" spc="0" normalizeH="0" baseline="0" noProof="0" dirty="0">
-                <a:ln>
-                  <a:noFill/>
-                </a:ln>
-                <a:solidFill>
-                  <a:schemeClr val="bg1"/>
-                </a:solidFill>
-                <a:effectLst/>
-                <a:uLnTx/>
-                <a:uFillTx/>
-                <a:latin typeface="Calibri" panose="020F0502020204030204"/>
-                <a:ea typeface="+mn-ea"/>
-                <a:cs typeface="+mn-cs"/>
-              </a:rPr>
-              <a:t>Pro (</a:t>
-            </a:r>
-            <a:r>
-              <a:rPr lang="id-ID" sz="1200" b="1" dirty="0">
-                <a:solidFill>
-                  <a:schemeClr val="bg1"/>
-                </a:solidFill>
-                <a:latin typeface="Calibri" panose="020F0502020204030204"/>
-              </a:rPr>
-              <a:t>24.2</a:t>
-            </a:r>
-            <a:r>
-              <a:rPr kumimoji="0" lang="id-ID" sz="1200" b="1" i="0" u="none" strike="noStrike" kern="1200" cap="none" spc="0" normalizeH="0" baseline="0" noProof="0" dirty="0">
-                <a:ln>
-                  <a:noFill/>
-                </a:ln>
-                <a:solidFill>
-                  <a:schemeClr val="bg1"/>
-                </a:solidFill>
-                <a:effectLst/>
-                <a:uLnTx/>
-                <a:uFillTx/>
-                <a:latin typeface="Calibri" panose="020F0502020204030204"/>
-                <a:ea typeface="+mn-ea"/>
-                <a:cs typeface="+mn-cs"/>
-              </a:rPr>
-              <a:t>%)</a:t>
-            </a:r>
-            <a:endParaRPr lang="id-ID" altLang="en-US" sz="1100" dirty="0">
-              <a:solidFill>
-                <a:schemeClr val="bg1"/>
-              </a:solidFill>
-              <a:cs typeface="Calibri" panose="020F0502020204030204" charset="0"/>
-              <a:sym typeface="+mn-ea"/>
-            </a:endParaRPr>
-          </a:p>
-        </p:txBody>
-      </p:sp>
-      <p:sp>
-        <p:nvSpPr>
-          <p:cNvPr id="35" name="TextBox 34">
-            <a:extLst>
-              <a:ext uri="{FF2B5EF4-FFF2-40B4-BE49-F238E27FC236}">
-                <a16:creationId xmlns:a16="http://schemas.microsoft.com/office/drawing/2014/main" id="{897E5F34-F667-0CD8-19C4-197AF29926CF}"/>
-              </a:ext>
-            </a:extLst>
-          </p:cNvPr>
-          <p:cNvSpPr txBox="1"/>
-          <p:nvPr/>
-        </p:nvSpPr>
-        <p:spPr>
-          <a:xfrm>
-            <a:off x="263973" y="3570817"/>
-            <a:ext cx="1224136" cy="285335"/>
-          </a:xfrm>
-          <a:prstGeom prst="rect">
-            <a:avLst/>
-          </a:prstGeom>
-          <a:solidFill>
-            <a:srgbClr val="9999DD"/>
-          </a:solidFill>
-          <a:effectLst>
-            <a:outerShdw blurRad="50800" dist="38100" dir="2700000" algn="tl" rotWithShape="0">
-              <a:prstClr val="black">
-                <a:alpha val="40000"/>
-              </a:prstClr>
-            </a:outerShdw>
-          </a:effectLst>
-        </p:spPr>
-        <p:txBody>
-          <a:bodyPr wrap="square">
-            <a:spAutoFit/>
-          </a:bodyPr>
-          <a:lstStyle/>
-          <a:p>
-            <a:pPr marL="0" marR="0" lvl="0" indent="0" algn="ctr" defTabSz="914400" rtl="0" eaLnBrk="1" fontAlgn="auto" latinLnBrk="0" hangingPunct="1">
-              <a:lnSpc>
-                <a:spcPct val="110000"/>
-              </a:lnSpc>
-              <a:spcBef>
-                <a:spcPts val="0"/>
-              </a:spcBef>
-              <a:spcAft>
-                <a:spcPts val="600"/>
-              </a:spcAft>
-              <a:buClrTx/>
-              <a:buSzTx/>
-              <a:buFontTx/>
-              <a:buNone/>
-              <a:tabLst/>
-              <a:defRPr/>
-            </a:pPr>
-            <a:r>
-              <a:rPr kumimoji="0" lang="id-ID" sz="1200" b="1" i="0" u="none" strike="noStrike" kern="1200" cap="none" spc="0" normalizeH="0" baseline="0" noProof="0" dirty="0">
-                <a:ln>
-                  <a:noFill/>
-                </a:ln>
-                <a:solidFill>
-                  <a:schemeClr val="bg1"/>
-                </a:solidFill>
-                <a:effectLst/>
-                <a:uLnTx/>
-                <a:uFillTx/>
-                <a:latin typeface="Calibri" panose="020F0502020204030204"/>
-                <a:ea typeface="+mn-ea"/>
-                <a:cs typeface="+mn-cs"/>
-              </a:rPr>
-              <a:t>Pro IKN (24.2%)</a:t>
-            </a:r>
-            <a:endParaRPr lang="id-ID" altLang="en-US" sz="1100" dirty="0">
-              <a:solidFill>
-                <a:schemeClr val="bg1"/>
-              </a:solidFill>
-              <a:cs typeface="Calibri" panose="020F0502020204030204" charset="0"/>
-              <a:sym typeface="+mn-ea"/>
-            </a:endParaRPr>
-          </a:p>
-        </p:txBody>
-      </p:sp>
-      <p:sp>
-        <p:nvSpPr>
-          <p:cNvPr id="36" name="TextBox 35">
-            <a:extLst>
-              <a:ext uri="{FF2B5EF4-FFF2-40B4-BE49-F238E27FC236}">
-                <a16:creationId xmlns:a16="http://schemas.microsoft.com/office/drawing/2014/main" id="{FAF9AC7B-81A9-965A-B1D9-67293B0DCCCE}"/>
-              </a:ext>
-            </a:extLst>
-          </p:cNvPr>
-          <p:cNvSpPr txBox="1"/>
-          <p:nvPr/>
-        </p:nvSpPr>
-        <p:spPr>
-          <a:xfrm>
-            <a:off x="9137326" y="805716"/>
-            <a:ext cx="1404156" cy="285335"/>
-          </a:xfrm>
-          <a:prstGeom prst="rect">
-            <a:avLst/>
-          </a:prstGeom>
-          <a:solidFill>
-            <a:srgbClr val="DD3333"/>
-          </a:solidFill>
-          <a:effectLst>
-            <a:outerShdw blurRad="50800" dist="38100" dir="2700000" algn="tl" rotWithShape="0">
-              <a:prstClr val="black">
-                <a:alpha val="40000"/>
-              </a:prstClr>
-            </a:outerShdw>
-          </a:effectLst>
-        </p:spPr>
-        <p:txBody>
-          <a:bodyPr wrap="square">
-            <a:spAutoFit/>
-          </a:bodyPr>
-          <a:lstStyle/>
-          <a:p>
-            <a:pPr marL="0" marR="0" lvl="0" indent="0" defTabSz="914400" rtl="0" eaLnBrk="1" fontAlgn="auto" latinLnBrk="0" hangingPunct="1">
-              <a:lnSpc>
-                <a:spcPct val="110000"/>
-              </a:lnSpc>
-              <a:spcBef>
-                <a:spcPts val="0"/>
-              </a:spcBef>
-              <a:spcAft>
-                <a:spcPts val="600"/>
-              </a:spcAft>
-              <a:buClrTx/>
-              <a:buSzTx/>
-              <a:buFontTx/>
-              <a:buNone/>
-              <a:tabLst/>
-              <a:defRPr/>
-            </a:pPr>
-            <a:r>
-              <a:rPr kumimoji="0" lang="id-ID" sz="1200" b="1" i="0" u="none" strike="noStrike" kern="1200" cap="none" spc="0" normalizeH="0" baseline="0" noProof="0" dirty="0">
-                <a:ln>
-                  <a:noFill/>
-                </a:ln>
-                <a:solidFill>
-                  <a:schemeClr val="bg1"/>
-                </a:solidFill>
-                <a:effectLst/>
-                <a:uLnTx/>
-                <a:uFillTx/>
-                <a:latin typeface="Calibri" panose="020F0502020204030204"/>
-                <a:ea typeface="+mn-ea"/>
-                <a:cs typeface="+mn-cs"/>
-              </a:rPr>
-              <a:t>Kontra IKN (</a:t>
-            </a:r>
-            <a:r>
-              <a:rPr lang="id-ID" sz="1200" b="1" dirty="0">
-                <a:solidFill>
-                  <a:schemeClr val="bg1"/>
-                </a:solidFill>
-                <a:latin typeface="Calibri" panose="020F0502020204030204"/>
-              </a:rPr>
-              <a:t>57.9</a:t>
-            </a:r>
-            <a:r>
-              <a:rPr kumimoji="0" lang="id-ID" sz="1200" b="1" i="0" u="none" strike="noStrike" kern="1200" cap="none" spc="0" normalizeH="0" baseline="0" noProof="0" dirty="0">
-                <a:ln>
-                  <a:noFill/>
-                </a:ln>
-                <a:solidFill>
-                  <a:schemeClr val="bg1"/>
-                </a:solidFill>
-                <a:effectLst/>
-                <a:uLnTx/>
-                <a:uFillTx/>
-                <a:latin typeface="Calibri" panose="020F0502020204030204"/>
-                <a:ea typeface="+mn-ea"/>
-                <a:cs typeface="+mn-cs"/>
-              </a:rPr>
-              <a:t>%)</a:t>
-            </a:r>
-            <a:endParaRPr lang="id-ID" altLang="en-US" sz="1100" dirty="0">
-              <a:solidFill>
-                <a:schemeClr val="bg1"/>
-              </a:solidFill>
-              <a:cs typeface="Calibri" panose="020F0502020204030204" charset="0"/>
-              <a:sym typeface="+mn-ea"/>
-            </a:endParaRPr>
-          </a:p>
-        </p:txBody>
-      </p:sp>
-      <p:sp>
-        <p:nvSpPr>
           <p:cNvPr id="37" name="TextBox 36">
             <a:extLst>
               <a:ext uri="{FF2B5EF4-FFF2-40B4-BE49-F238E27FC236}">
@@ -9448,7 +9085,7 @@
                 <a:cs typeface="Calibri" panose="020F0502020204030204" charset="0"/>
                 <a:sym typeface="+mn-ea"/>
               </a:rPr>
-              <a:t>Kelompok kontra cenderung </a:t>
+              <a:t>Kelompok ini membahas pote</a:t>
             </a:r>
             <a:r>
               <a:rPr kumimoji="0" lang="id-ID" altLang="en-US" sz="1100" b="1" i="0" u="none" strike="noStrike" kern="1200" cap="none" spc="0" normalizeH="0" baseline="0" noProof="0" dirty="0">
@@ -9466,7 +9103,7 @@
                 <a:cs typeface="Calibri" panose="020F0502020204030204" charset="0"/>
                 <a:sym typeface="+mn-ea"/>
               </a:rPr>
-              <a:t>lebih banyak dari pendukung Anies.</a:t>
+              <a:t>nsi pembangunan Sumber Daya Manusia (SDM) sebagai prioritas Ganjar Pranowo-Prof Mahfud dalam IKN.</a:t>
             </a:r>
             <a:endParaRPr kumimoji="0" lang="id-ID" altLang="en-US" sz="1100" i="0" u="none" strike="noStrike" kern="1200" cap="none" spc="0" normalizeH="0" baseline="0" noProof="0" dirty="0">
               <a:ln>
@@ -9511,7 +9148,7 @@
                 <a:cs typeface="Calibri" panose="020F0502020204030204" charset="0"/>
                 <a:sym typeface="+mn-ea"/>
               </a:rPr>
-              <a:t>Kelompok ini </a:t>
+              <a:t>Mereka menyor</a:t>
             </a:r>
             <a:r>
               <a:rPr lang="id-ID" altLang="en-US" sz="1100" b="1" kern="1200" dirty="0">
@@ -9522,7 +9159,7 @@
                 <a:cs typeface="Calibri" panose="020F0502020204030204" charset="0"/>
                 <a:sym typeface="+mn-ea"/>
               </a:rPr>
-              <a:t>terus mengkritik proyek IKN </a:t>
+              <a:t>oti pentingnya melanjutkan I</a:t>
             </a:r>
             <a:r>
               <a:rPr lang="id-ID" altLang="en-US" sz="1100" kern="1200" dirty="0">
@@ -9533,7 +9170,7 @@
                 <a:cs typeface="Calibri" panose="020F0502020204030204" charset="0"/>
                 <a:sym typeface="+mn-ea"/>
               </a:rPr>
-              <a:t>yang disebut terus menyedot uang negara hingga triliunan, sehingga anggaran </a:t>
+              <a:t>ndonesia Sentris dalam IKN sebagai langkah maju untuk kemajuan di seluruh Nu</a:t>
             </a:r>
             <a:r>
               <a:rPr lang="id-ID" altLang="en-US" sz="1100" b="1" kern="1200" dirty="0">
@@ -9544,7 +9181,7 @@
                 <a:cs typeface="Calibri" panose="020F0502020204030204" charset="0"/>
                 <a:sym typeface="+mn-ea"/>
               </a:rPr>
-              <a:t>tidak digunakan untuk memperhatikan rakyat.</a:t>
+              <a:t>santara.</a:t>
             </a:r>
           </a:p>
           <a:p>
@@ -9581,7 +9218,7 @@
                 <a:cs typeface="Calibri" panose="020F0502020204030204" charset="0"/>
                 <a:sym typeface="+mn-ea"/>
               </a:rPr>
-              <a:t>Jokowi di</a:t>
+              <a:t>Kelompok </a:t>
             </a:r>
             <a:r>
               <a:rPr lang="id-ID" altLang="en-US" sz="1100" b="1" kern="1200" dirty="0">
@@ -9592,7 +9229,7 @@
                 <a:cs typeface="Calibri" panose="020F0502020204030204" charset="0"/>
                 <a:sym typeface="+mn-ea"/>
               </a:rPr>
-              <a:t>kritik “menjadi jubir Prabowo” </a:t>
+              <a:t>ini menekankan komitmen Ganjar-</a:t>
             </a:r>
             <a:r>
               <a:rPr lang="id-ID" altLang="en-US" sz="1100" kern="1200" dirty="0">
@@ -9603,7 +9240,7 @@
                 <a:cs typeface="Calibri" panose="020F0502020204030204" charset="0"/>
                 <a:sym typeface="+mn-ea"/>
               </a:rPr>
-              <a:t>untuk membela masalah </a:t>
+              <a:t>Mahfud dalam memberika</a:t>
             </a:r>
             <a:r>
               <a:rPr lang="id-ID" altLang="en-US" sz="1100" b="1" kern="1200" dirty="0">
@@ -9614,7 +9251,7 @@
                 <a:cs typeface="Calibri" panose="020F0502020204030204" charset="0"/>
                 <a:sym typeface="+mn-ea"/>
               </a:rPr>
-              <a:t>kritik </a:t>
+              <a:t>n solus</a:t>
             </a:r>
             <a:r>
               <a:rPr lang="id-ID" altLang="en-US" sz="1100" b="1" kern="1200" dirty="0" err="1">
@@ -9625,7 +9262,7 @@
                 <a:cs typeface="Calibri" panose="020F0502020204030204" charset="0"/>
                 <a:sym typeface="+mn-ea"/>
               </a:rPr>
-              <a:t>netizen</a:t>
+              <a:t>i nyata</a:t>
             </a:r>
             <a:r>
               <a:rPr lang="id-ID" altLang="en-US" sz="1100" b="1" kern="1200" dirty="0">
@@ -9636,7 +9273,7 @@
                 <a:cs typeface="Calibri" panose="020F0502020204030204" charset="0"/>
                 <a:sym typeface="+mn-ea"/>
               </a:rPr>
-              <a:t> terhadap kesejahteraan TNI </a:t>
+              <a:t> untuk setiap tantangan pemb</a:t>
             </a:r>
             <a:r>
               <a:rPr lang="id-ID" altLang="en-US" sz="1100" kern="1200" dirty="0">
@@ -9647,7 +9284,7 @@
                 <a:cs typeface="Calibri" panose="020F0502020204030204" charset="0"/>
                 <a:sym typeface="+mn-ea"/>
               </a:rPr>
-              <a:t>dibandingkan dengan pembangunan IKN.</a:t>
+              <a:t>angunan IKN.</a:t>
             </a:r>
             <a:endParaRPr lang="id-ID" altLang="en-US" sz="1100" b="1" kern="1200" dirty="0">
               <a:solidFill>
@@ -9685,7 +9322,7 @@
                 <a:cs typeface="Calibri" panose="020F0502020204030204" charset="0"/>
                 <a:sym typeface="+mn-ea"/>
               </a:rPr>
-              <a:t>Kelompok ini </a:t>
+              <a:t>Mereka percay</a:t>
             </a:r>
             <a:r>
               <a:rPr lang="id-ID" altLang="en-US" sz="1100" b="1" kern="1200" dirty="0" err="1">
@@ -9696,7 +9333,7 @@
                 <a:cs typeface="Calibri" panose="020F0502020204030204" charset="0"/>
                 <a:sym typeface="+mn-ea"/>
               </a:rPr>
-              <a:t>viralkan</a:t>
+              <a:t>a bahwa </a:t>
             </a:r>
             <a:r>
               <a:rPr lang="id-ID" altLang="en-US" sz="1100" b="1" kern="1200" dirty="0">
@@ -9707,7 +9344,7 @@
                 <a:cs typeface="Calibri" panose="020F0502020204030204" charset="0"/>
                 <a:sym typeface="+mn-ea"/>
               </a:rPr>
-              <a:t> adanya penghentian pengerjaan pipa air </a:t>
+              <a:t>Ganjar Pranowo adalah pemimpin yang mema</a:t>
             </a:r>
             <a:r>
               <a:rPr lang="id-ID" altLang="en-US" sz="1100" kern="1200" dirty="0">
@@ -9718,7 +9355,7 @@
                 <a:cs typeface="Calibri" panose="020F0502020204030204" charset="0"/>
                 <a:sym typeface="+mn-ea"/>
               </a:rPr>
-              <a:t>oleh pemilik lahan di IKN karena mengaku </a:t>
+              <a:t>hami urgensi pembangunan Indonesia.</a:t>
             </a:r>
             <a:r>
               <a:rPr lang="id-ID" altLang="en-US" sz="1100" b="1" kern="1200" dirty="0">
@@ -9729,7 +9366,7 @@
                 <a:cs typeface="Calibri" panose="020F0502020204030204" charset="0"/>
                 <a:sym typeface="+mn-ea"/>
               </a:rPr>
-              <a:t>belum mendapat bayaran dari Pemerintah.</a:t>
+              <a:t/>
             </a:r>
             <a:endParaRPr lang="id-ID" altLang="en-US" sz="1100" kern="1200" dirty="0">
               <a:solidFill>
@@ -9774,7 +9411,7 @@
                 <a:cs typeface="Calibri" panose="020F0502020204030204" charset="0"/>
                 <a:sym typeface="+mn-ea"/>
               </a:rPr>
-              <a:t>Pendukung Anies </a:t>
+              <a:t>Kelompok ini men</a:t>
             </a:r>
             <a:r>
               <a:rPr kumimoji="0" lang="id-ID" altLang="en-US" sz="1100" i="0" u="none" strike="noStrike" kern="1200" cap="none" spc="0" normalizeH="0" baseline="0" noProof="0" dirty="0">
@@ -9792,7 +9429,7 @@
                 <a:cs typeface="Calibri" panose="020F0502020204030204" charset="0"/>
                 <a:sym typeface="+mn-ea"/>
               </a:rPr>
-              <a:t>secara khusus </a:t>
+              <a:t>yebutkan bahwa</a:t>
             </a:r>
             <a:r>
               <a:rPr kumimoji="0" lang="id-ID" altLang="en-US" sz="1100" b="1" i="0" u="none" strike="noStrike" kern="1200" cap="none" spc="0" normalizeH="0" baseline="0" noProof="0" dirty="0">
@@ -9810,7 +9447,7 @@
                 <a:cs typeface="Calibri" panose="020F0502020204030204" charset="0"/>
                 <a:sym typeface="+mn-ea"/>
               </a:rPr>
-              <a:t>menyindir Gibran dan Jokowi </a:t>
+              <a:t> Ganjar-Mahfud diharapkan me</a:t>
             </a:r>
             <a:r>
               <a:rPr kumimoji="0" lang="id-ID" altLang="en-US" sz="1100" i="0" u="none" strike="noStrike" kern="1200" cap="none" spc="0" normalizeH="0" baseline="0" noProof="0" dirty="0">
@@ -9828,7 +9465,7 @@
                 <a:cs typeface="Calibri" panose="020F0502020204030204" charset="0"/>
                 <a:sym typeface="+mn-ea"/>
               </a:rPr>
-              <a:t>yang sebelumnya menyebut </a:t>
+              <a:t>nciptakan kebijakan yang </a:t>
             </a:r>
             <a:r>
               <a:rPr kumimoji="0" lang="id-ID" altLang="en-US" sz="1100" b="1" i="0" u="none" strike="noStrike" kern="1200" cap="none" spc="0" normalizeH="0" baseline="0" noProof="0" dirty="0">
@@ -9846,7 +9483,7 @@
                 <a:cs typeface="Calibri" panose="020F0502020204030204" charset="0"/>
                 <a:sym typeface="+mn-ea"/>
               </a:rPr>
-              <a:t>sudah memiliki investor, </a:t>
+              <a:t>seimbang dan berkelanjuta</a:t>
             </a:r>
             <a:r>
               <a:rPr kumimoji="0" lang="id-ID" altLang="en-US" sz="1100" i="0" u="none" strike="noStrike" kern="1200" cap="none" spc="0" normalizeH="0" baseline="0" noProof="0" dirty="0">
@@ -9864,7 +9501,7 @@
                 <a:cs typeface="Calibri" panose="020F0502020204030204" charset="0"/>
                 <a:sym typeface="+mn-ea"/>
               </a:rPr>
-              <a:t>namun ternyata </a:t>
+              <a:t>n di tingkat na</a:t>
             </a:r>
             <a:r>
               <a:rPr kumimoji="0" lang="id-ID" altLang="en-US" sz="1100" b="1" i="0" u="none" strike="noStrike" kern="1200" cap="none" spc="0" normalizeH="0" baseline="0" noProof="0" dirty="0">
@@ -9882,7 +9519,7 @@
                 <a:cs typeface="Calibri" panose="020F0502020204030204" charset="0"/>
                 <a:sym typeface="+mn-ea"/>
               </a:rPr>
-              <a:t>ditinggalkan oleh Djarum </a:t>
+              <a:t>sional.</a:t>
             </a:r>
             <a:r>
               <a:rPr kumimoji="0" lang="id-ID" altLang="en-US" sz="1100" i="0" u="none" strike="noStrike" kern="1200" cap="none" spc="0" normalizeH="0" baseline="0" noProof="0" dirty="0">
@@ -9900,7 +9537,7 @@
                 <a:cs typeface="Calibri" panose="020F0502020204030204" charset="0"/>
                 <a:sym typeface="+mn-ea"/>
               </a:rPr>
-              <a:t>dan </a:t>
+              <a:t/>
             </a:r>
             <a:r>
               <a:rPr kumimoji="0" lang="id-ID" altLang="en-US" sz="1100" b="1" i="0" u="none" strike="noStrike" kern="1200" cap="none" spc="0" normalizeH="0" baseline="0" noProof="0" dirty="0" err="1">
@@ -9918,7 +9555,7 @@
                 <a:cs typeface="Calibri" panose="020F0502020204030204" charset="0"/>
                 <a:sym typeface="+mn-ea"/>
               </a:rPr>
-              <a:t>Wings</a:t>
+              <a:t/>
             </a:r>
             <a:r>
               <a:rPr kumimoji="0" lang="id-ID" altLang="en-US" sz="1100" b="1" i="0" u="none" strike="noStrike" kern="1200" cap="none" spc="0" normalizeH="0" baseline="0" noProof="0" dirty="0">
@@ -9936,7 +9573,7 @@
                 <a:cs typeface="Calibri" panose="020F0502020204030204" charset="0"/>
                 <a:sym typeface="+mn-ea"/>
               </a:rPr>
-              <a:t> Group.</a:t>
+              <a:t/>
             </a:r>
           </a:p>
           <a:p>
@@ -9966,7 +9603,7 @@
                 <a:cs typeface="Calibri" panose="020F0502020204030204" charset="0"/>
                 <a:sym typeface="+mn-ea"/>
               </a:rPr>
-              <a:t>Muncul sikap </a:t>
+              <a:t>Mereka juga m</a:t>
             </a:r>
             <a:r>
               <a:rPr lang="id-ID" altLang="en-US" sz="1100" b="1" kern="1200" dirty="0">
@@ -9977,7 +9614,7 @@
                 <a:cs typeface="Calibri" panose="020F0502020204030204" charset="0"/>
                 <a:sym typeface="+mn-ea"/>
               </a:rPr>
-              <a:t>bila Jakarta punya masalah, selesaikan, bukan pindah ke IKN.</a:t>
+              <a:t>enekankan pentingnya efisiensi dan transparansi dalam penggunaan anggaran dan sumber daya untuk pembangunan IKN.</a:t>
             </a:r>
             <a:endParaRPr kumimoji="0" lang="id-ID" altLang="en-US" sz="1100" i="0" u="none" strike="noStrike" kern="1200" cap="none" spc="0" normalizeH="0" baseline="0" noProof="0" dirty="0">
               <a:ln>
@@ -10314,6 +9951,196 @@
           </a:effectLst>
         </p:spPr>
       </p:pic>
+      <p:sp>
+        <p:nvSpPr>
+          <p:cNvPr id="41" name="Rounded Rectangle 40"/>
+          <p:cNvSpPr/>
+          <p:nvPr/>
+        </p:nvSpPr>
+        <p:spPr>
+          <a:xfrm>
+            <a:off x="259200" y="3441600"/>
+            <a:ext cx="1800000" cy="468000"/>
+          </a:xfrm>
+          <a:prstGeom prst="roundRect">
+            <a:avLst/>
+          </a:prstGeom>
+          <a:solidFill>
+            <a:srgbClr val="5BC344"/>
+          </a:solidFill>
+        </p:spPr>
+        <p:style>
+          <a:lnRef idx="1">
+            <a:schemeClr val="accent1"/>
+          </a:lnRef>
+          <a:fillRef idx="3">
+            <a:schemeClr val="accent1"/>
+          </a:fillRef>
+          <a:effectRef idx="2">
+            <a:schemeClr val="accent1"/>
+          </a:effectRef>
+          <a:fontRef idx="minor">
+            <a:schemeClr val="lt1"/>
+          </a:fontRef>
+        </p:style>
+        <p:txBody>
+          <a:bodyPr rtlCol="0" anchor="ctr"/>
+          <a:lstStyle/>
+          <a:p>
+            <a:pPr algn="ctr">
+              <a:defRPr b="1" sz="1100">
+                <a:solidFill>
+                  <a:srgbClr val="FFFFFF"/>
+                </a:solidFill>
+              </a:defRPr>
+            </a:pPr>
+            <a:r>
+              <a:rPr>
+                <a:solidFill/>
+              </a:rPr>
+              <a:t>Pengamat proyek IKN. (19.1%)</a:t>
+            </a:r>
+          </a:p>
+        </p:txBody>
+      </p:sp>
+      <p:sp>
+        <p:nvSpPr>
+          <p:cNvPr id="42" name="Rounded Rectangle 41"/>
+          <p:cNvSpPr/>
+          <p:nvPr/>
+        </p:nvSpPr>
+        <p:spPr>
+          <a:xfrm>
+            <a:off x="9118800" y="648000"/>
+            <a:ext cx="1800000" cy="468000"/>
+          </a:xfrm>
+          <a:prstGeom prst="roundRect">
+            <a:avLst/>
+          </a:prstGeom>
+          <a:solidFill>
+            <a:srgbClr val="6E7ACA"/>
+          </a:solidFill>
+        </p:spPr>
+        <p:style>
+          <a:lnRef idx="1">
+            <a:schemeClr val="accent1"/>
+          </a:lnRef>
+          <a:fillRef idx="3">
+            <a:schemeClr val="accent1"/>
+          </a:fillRef>
+          <a:effectRef idx="2">
+            <a:schemeClr val="accent1"/>
+          </a:effectRef>
+          <a:fontRef idx="minor">
+            <a:schemeClr val="lt1"/>
+          </a:fontRef>
+        </p:style>
+        <p:txBody>
+          <a:bodyPr rtlCol="0" anchor="ctr"/>
+          <a:lstStyle/>
+          <a:p>
+            <a:pPr algn="ctr">
+              <a:defRPr b="1" sz="1100">
+                <a:solidFill>
+                  <a:srgbClr val="FFFFFF"/>
+                </a:solidFill>
+              </a:defRPr>
+            </a:pPr>
+            <a:r>
+              <a:rPr>
+                <a:solidFill/>
+              </a:rPr>
+              <a:t>Pendukung Ganjar-Mahfud dalam Pembangunan IKN (24.2%)</a:t>
+            </a:r>
+          </a:p>
+        </p:txBody>
+      </p:sp>
+      <p:sp>
+        <p:nvSpPr>
+          <p:cNvPr id="43" name="Rounded Rectangle 42"/>
+          <p:cNvSpPr/>
+          <p:nvPr/>
+        </p:nvSpPr>
+        <p:spPr>
+          <a:xfrm>
+            <a:off x="9118800" y="5148000"/>
+            <a:ext cx="1800000" cy="468000"/>
+          </a:xfrm>
+          <a:prstGeom prst="roundRect">
+            <a:avLst/>
+          </a:prstGeom>
+          <a:solidFill>
+            <a:srgbClr val="D64E2B"/>
+          </a:solidFill>
+        </p:spPr>
+        <p:style>
+          <a:lnRef idx="1">
+            <a:schemeClr val="accent1"/>
+          </a:lnRef>
+          <a:fillRef idx="3">
+            <a:schemeClr val="accent1"/>
+          </a:fillRef>
+          <a:effectRef idx="2">
+            <a:schemeClr val="accent1"/>
+          </a:effectRef>
+          <a:fontRef idx="minor">
+            <a:schemeClr val="lt1"/>
+          </a:fontRef>
+        </p:style>
+        <p:txBody>
+          <a:bodyPr rtlCol="0" anchor="ctr"/>
+          <a:lstStyle/>
+          <a:p>
+            <a:pPr algn="ctr">
+              <a:defRPr b="1" sz="1100">
+                <a:solidFill>
+                  <a:srgbClr val="FFFFFF"/>
+                </a:solidFill>
+              </a:defRPr>
+            </a:pPr>
+            <a:r>
+              <a:t>Investor Positif Pasca Pemilu (15.5%)</a:t>
+            </a:r>
+          </a:p>
+        </p:txBody>
+      </p:sp>
+      <p:sp>
+        <p:nvSpPr>
+          <p:cNvPr id="44" name="TextBox 43"/>
+          <p:cNvSpPr txBox="1"/>
+          <p:nvPr/>
+        </p:nvSpPr>
+        <p:spPr>
+          <a:xfrm>
+            <a:off x="9144000" y="5376672"/>
+            <a:ext cx="2971800" cy="1828800"/>
+          </a:xfrm>
+          <a:prstGeom prst="rect">
+            <a:avLst/>
+          </a:prstGeom>
+          <a:noFill/>
+        </p:spPr>
+        <p:txBody>
+          <a:bodyPr wrap="square">
+            <a:noAutofit/>
+          </a:bodyPr>
+          <a:lstStyle/>
+          <a:p/>
+          <a:p>
+            <a:pPr>
+              <a:defRPr sz="1100"/>
+            </a:pPr>
+            <a:r>
+              <a:rPr>
+                <a:solidFill>
+                  <a:srgbClr val="FFFFFF"/>
+                </a:solidFill>
+              </a:rPr>
+              <a:t>Kelompok ini membahas topik-topik yang berkaitan dengan IKN Nusantara dan dampaknya terhadap investasi pasca Pemilu 20Beberapa konten menyebutkan minat investor yang meningkat dan sentimen positif terhadap investasi di IKN. Namun, tidak ada konten yang secara jelas menjelaskan detail atau argumen spesifik mengenai IKN Nusantara.</a:t>
+            </a:r>
+          </a:p>
+        </p:txBody>
+      </p:sp>
     </p:spTree>
     <p:extLst>
       <p:ext uri="{BB962C8B-B14F-4D97-AF65-F5344CB8AC3E}">
